--- a/Diseño/Chile/Indices_App_19_10.pptx
+++ b/Diseño/Chile/Indices_App_19_10.pptx
@@ -7,8 +7,10 @@
   <p:sldIdLst>
     <p:sldId id="256" r:id="rId2"/>
     <p:sldId id="259" r:id="rId3"/>
-    <p:sldId id="257" r:id="rId4"/>
-    <p:sldId id="258" r:id="rId5"/>
+    <p:sldId id="260" r:id="rId4"/>
+    <p:sldId id="261" r:id="rId5"/>
+    <p:sldId id="257" r:id="rId6"/>
+    <p:sldId id="258" r:id="rId7"/>
   </p:sldIdLst>
   <p:sldSz cx="12192000" cy="6858000"/>
   <p:notesSz cx="6858000" cy="9144000"/>
@@ -3998,6 +4000,305 @@
       </p:grpSpPr>
       <p:sp>
         <p:nvSpPr>
+          <p:cNvPr id="2" name="Título 1">
+            <a:extLst>
+              <a:ext uri="{FF2B5EF4-FFF2-40B4-BE49-F238E27FC236}">
+                <a16:creationId xmlns:a16="http://schemas.microsoft.com/office/drawing/2014/main" id="{A2B1A298-066D-452D-82E0-305BC3751973}"/>
+              </a:ext>
+            </a:extLst>
+          </p:cNvPr>
+          <p:cNvSpPr>
+            <a:spLocks noGrp="1"/>
+          </p:cNvSpPr>
+          <p:nvPr>
+            <p:ph type="title"/>
+          </p:nvPr>
+        </p:nvSpPr>
+        <p:spPr/>
+        <p:txBody>
+          <a:bodyPr/>
+          <a:lstStyle/>
+          <a:p>
+            <a:endParaRPr lang="en-US"/>
+          </a:p>
+        </p:txBody>
+      </p:sp>
+      <mc:AlternateContent xmlns:mc="http://schemas.openxmlformats.org/markup-compatibility/2006">
+        <mc:Choice xmlns:pslz="http://schemas.microsoft.com/office/powerpoint/2016/slidezoom" Requires="pslz">
+          <p:graphicFrame>
+            <p:nvGraphicFramePr>
+              <p:cNvPr id="5" name="Vista general de diapositiva 4">
+                <a:extLst>
+                  <a:ext uri="{FF2B5EF4-FFF2-40B4-BE49-F238E27FC236}">
+                    <a16:creationId xmlns:a16="http://schemas.microsoft.com/office/drawing/2014/main" id="{EFB69A6F-E01D-4D5D-A2CB-0AAF8A287C06}"/>
+                  </a:ext>
+                </a:extLst>
+              </p:cNvPr>
+              <p:cNvGraphicFramePr>
+                <a:graphicFrameLocks noChangeAspect="1"/>
+              </p:cNvGraphicFramePr>
+              <p:nvPr>
+                <p:extLst>
+                  <p:ext uri="{D42A27DB-BD31-4B8C-83A1-F6EECF244321}">
+                    <p14:modId xmlns:p14="http://schemas.microsoft.com/office/powerpoint/2010/main" val="3824761946"/>
+                  </p:ext>
+                </p:extLst>
+              </p:nvPr>
+            </p:nvGraphicFramePr>
+            <p:xfrm>
+              <a:off x="1724388" y="1419381"/>
+              <a:ext cx="3048000" cy="1714500"/>
+            </p:xfrm>
+            <a:graphic>
+              <a:graphicData uri="http://schemas.microsoft.com/office/powerpoint/2016/slidezoom">
+                <pslz:sldZm>
+                  <pslz:sldZmObj sldId="260" cId="1411422330">
+                    <pslz:zmPr id="{53A9E4BE-5834-4383-87A7-0CDCE0E87109}" returnToParent="0" transitionDur="1000">
+                      <p166:blipFill xmlns:p166="http://schemas.microsoft.com/office/powerpoint/2016/6/main">
+                        <a:blip r:embed="rId2"/>
+                        <a:stretch>
+                          <a:fillRect/>
+                        </a:stretch>
+                      </p166:blipFill>
+                      <p166:spPr xmlns:p166="http://schemas.microsoft.com/office/powerpoint/2016/6/main">
+                        <a:xfrm>
+                          <a:off x="0" y="0"/>
+                          <a:ext cx="3048000" cy="1714500"/>
+                        </a:xfrm>
+                        <a:prstGeom prst="rect">
+                          <a:avLst/>
+                        </a:prstGeom>
+                        <a:ln w="3175">
+                          <a:solidFill>
+                            <a:prstClr val="ltGray"/>
+                          </a:solidFill>
+                        </a:ln>
+                      </p166:spPr>
+                    </pslz:zmPr>
+                  </pslz:sldZmObj>
+                </pslz:sldZm>
+              </a:graphicData>
+            </a:graphic>
+          </p:graphicFrame>
+        </mc:Choice>
+        <mc:Fallback>
+          <p:pic>
+            <p:nvPicPr>
+              <p:cNvPr id="5" name="Vista general de diapositiva 4">
+                <a:hlinkClick r:id="rId3" action="ppaction://hlinksldjump"/>
+                <a:extLst>
+                  <a:ext uri="{FF2B5EF4-FFF2-40B4-BE49-F238E27FC236}">
+                    <a16:creationId xmlns:a16="http://schemas.microsoft.com/office/drawing/2014/main" id="{EFB69A6F-E01D-4D5D-A2CB-0AAF8A287C06}"/>
+                  </a:ext>
+                </a:extLst>
+              </p:cNvPr>
+              <p:cNvPicPr>
+                <a:picLocks noGrp="1" noRot="1" noChangeAspect="1" noMove="1" noResize="1" noEditPoints="1" noAdjustHandles="1" noChangeArrowheads="1" noChangeShapeType="1"/>
+              </p:cNvPicPr>
+              <p:nvPr/>
+            </p:nvPicPr>
+            <p:blipFill>
+              <a:blip r:embed="rId2"/>
+              <a:stretch>
+                <a:fillRect/>
+              </a:stretch>
+            </p:blipFill>
+            <p:spPr>
+              <a:xfrm>
+                <a:off x="1724388" y="1419381"/>
+                <a:ext cx="3048000" cy="1714500"/>
+              </a:xfrm>
+              <a:prstGeom prst="rect">
+                <a:avLst/>
+              </a:prstGeom>
+              <a:ln w="3175">
+                <a:solidFill>
+                  <a:prstClr val="ltGray"/>
+                </a:solidFill>
+              </a:ln>
+            </p:spPr>
+          </p:pic>
+        </mc:Fallback>
+      </mc:AlternateContent>
+      <p:pic>
+        <p:nvPicPr>
+          <p:cNvPr id="6" name="Marcador de contenido 3">
+            <a:extLst>
+              <a:ext uri="{FF2B5EF4-FFF2-40B4-BE49-F238E27FC236}">
+                <a16:creationId xmlns:a16="http://schemas.microsoft.com/office/drawing/2014/main" id="{C2615D68-7F8B-4A2D-95B6-F6D19945645C}"/>
+              </a:ext>
+            </a:extLst>
+          </p:cNvPr>
+          <p:cNvPicPr>
+            <a:picLocks noGrp="1" noChangeAspect="1"/>
+          </p:cNvPicPr>
+          <p:nvPr>
+            <p:ph idx="1"/>
+          </p:nvPr>
+        </p:nvPicPr>
+        <p:blipFill rotWithShape="1">
+          <a:blip r:embed="rId4"/>
+          <a:srcRect l="24714" r="18246"/>
+          <a:stretch/>
+        </p:blipFill>
+        <p:spPr>
+          <a:xfrm>
+            <a:off x="3657600" y="3973471"/>
+            <a:ext cx="2785404" cy="2203491"/>
+          </a:xfrm>
+          <a:prstGeom prst="rect">
+            <a:avLst/>
+          </a:prstGeom>
+        </p:spPr>
+      </p:pic>
+      <p:pic>
+        <p:nvPicPr>
+          <p:cNvPr id="7" name="Imagen 6">
+            <a:extLst>
+              <a:ext uri="{FF2B5EF4-FFF2-40B4-BE49-F238E27FC236}">
+                <a16:creationId xmlns:a16="http://schemas.microsoft.com/office/drawing/2014/main" id="{EBEF7A0A-EF24-4152-AD26-56AFD8BC2F5A}"/>
+              </a:ext>
+            </a:extLst>
+          </p:cNvPr>
+          <p:cNvPicPr>
+            <a:picLocks noChangeAspect="1"/>
+          </p:cNvPicPr>
+          <p:nvPr/>
+        </p:nvPicPr>
+        <p:blipFill>
+          <a:blip r:embed="rId5"/>
+          <a:stretch>
+            <a:fillRect/>
+          </a:stretch>
+        </p:blipFill>
+        <p:spPr>
+          <a:xfrm>
+            <a:off x="7995636" y="2730615"/>
+            <a:ext cx="2795827" cy="2203491"/>
+          </a:xfrm>
+          <a:prstGeom prst="rect">
+            <a:avLst/>
+          </a:prstGeom>
+        </p:spPr>
+      </p:pic>
+    </p:spTree>
+    <p:extLst>
+      <p:ext uri="{BB962C8B-B14F-4D97-AF65-F5344CB8AC3E}">
+        <p14:creationId xmlns:p14="http://schemas.microsoft.com/office/powerpoint/2010/main" val="1411422330"/>
+      </p:ext>
+    </p:extLst>
+  </p:cSld>
+  <p:clrMapOvr>
+    <a:masterClrMapping/>
+  </p:clrMapOvr>
+</p:sld>
+</file>
+
+<file path=ppt/slides/slide4.xml><?xml version="1.0" encoding="utf-8"?>
+<p:sld xmlns:a="http://schemas.openxmlformats.org/drawingml/2006/main" xmlns:r="http://schemas.openxmlformats.org/officeDocument/2006/relationships" xmlns:p="http://schemas.openxmlformats.org/presentationml/2006/main">
+  <p:cSld>
+    <p:spTree>
+      <p:nvGrpSpPr>
+        <p:cNvPr id="1" name=""/>
+        <p:cNvGrpSpPr/>
+        <p:nvPr/>
+      </p:nvGrpSpPr>
+      <p:grpSpPr>
+        <a:xfrm>
+          <a:off x="0" y="0"/>
+          <a:ext cx="0" cy="0"/>
+          <a:chOff x="0" y="0"/>
+          <a:chExt cx="0" cy="0"/>
+        </a:xfrm>
+      </p:grpSpPr>
+      <p:sp>
+        <p:nvSpPr>
+          <p:cNvPr id="2" name="Título 1">
+            <a:extLst>
+              <a:ext uri="{FF2B5EF4-FFF2-40B4-BE49-F238E27FC236}">
+                <a16:creationId xmlns:a16="http://schemas.microsoft.com/office/drawing/2014/main" id="{9F8849D7-2C25-4210-AEE4-43AF4939344B}"/>
+              </a:ext>
+            </a:extLst>
+          </p:cNvPr>
+          <p:cNvSpPr>
+            <a:spLocks noGrp="1"/>
+          </p:cNvSpPr>
+          <p:nvPr>
+            <p:ph type="title"/>
+          </p:nvPr>
+        </p:nvSpPr>
+        <p:spPr/>
+        <p:txBody>
+          <a:bodyPr/>
+          <a:lstStyle/>
+          <a:p>
+            <a:endParaRPr lang="en-US"/>
+          </a:p>
+        </p:txBody>
+      </p:sp>
+      <p:pic>
+        <p:nvPicPr>
+          <p:cNvPr id="4" name="Marcador de contenido 3">
+            <a:extLst>
+              <a:ext uri="{FF2B5EF4-FFF2-40B4-BE49-F238E27FC236}">
+                <a16:creationId xmlns:a16="http://schemas.microsoft.com/office/drawing/2014/main" id="{EF7DD0F7-DA4D-4C9A-A3AC-6ED2CCF99885}"/>
+              </a:ext>
+            </a:extLst>
+          </p:cNvPr>
+          <p:cNvPicPr>
+            <a:picLocks noGrp="1" noChangeAspect="1"/>
+          </p:cNvPicPr>
+          <p:nvPr>
+            <p:ph idx="1"/>
+          </p:nvPr>
+        </p:nvPicPr>
+        <p:blipFill rotWithShape="1">
+          <a:blip r:embed="rId2"/>
+          <a:srcRect l="4875"/>
+          <a:stretch/>
+        </p:blipFill>
+        <p:spPr>
+          <a:xfrm>
+            <a:off x="2138289" y="1825625"/>
+            <a:ext cx="8342977" cy="4351338"/>
+          </a:xfrm>
+          <a:prstGeom prst="rect">
+            <a:avLst/>
+          </a:prstGeom>
+        </p:spPr>
+      </p:pic>
+    </p:spTree>
+    <p:extLst>
+      <p:ext uri="{BB962C8B-B14F-4D97-AF65-F5344CB8AC3E}">
+        <p14:creationId xmlns:p14="http://schemas.microsoft.com/office/powerpoint/2010/main" val="1419297640"/>
+      </p:ext>
+    </p:extLst>
+  </p:cSld>
+  <p:clrMapOvr>
+    <a:masterClrMapping/>
+  </p:clrMapOvr>
+</p:sld>
+</file>
+
+<file path=ppt/slides/slide5.xml><?xml version="1.0" encoding="utf-8"?>
+<p:sld xmlns:a="http://schemas.openxmlformats.org/drawingml/2006/main" xmlns:r="http://schemas.openxmlformats.org/officeDocument/2006/relationships" xmlns:p="http://schemas.openxmlformats.org/presentationml/2006/main">
+  <p:cSld>
+    <p:spTree>
+      <p:nvGrpSpPr>
+        <p:cNvPr id="1" name=""/>
+        <p:cNvGrpSpPr/>
+        <p:nvPr/>
+      </p:nvGrpSpPr>
+      <p:grpSpPr>
+        <a:xfrm>
+          <a:off x="0" y="0"/>
+          <a:ext cx="0" cy="0"/>
+          <a:chOff x="0" y="0"/>
+          <a:chExt cx="0" cy="0"/>
+        </a:xfrm>
+      </p:grpSpPr>
+      <p:sp>
+        <p:nvSpPr>
           <p:cNvPr id="6" name="Rectangle 5">
             <a:extLst>
               <a:ext uri="{FF2B5EF4-FFF2-40B4-BE49-F238E27FC236}">
@@ -6746,7 +7047,7 @@
 </p:sld>
 </file>
 
-<file path=ppt/slides/slide4.xml><?xml version="1.0" encoding="utf-8"?>
+<file path=ppt/slides/slide6.xml><?xml version="1.0" encoding="utf-8"?>
 <p:sld xmlns:a="http://schemas.openxmlformats.org/drawingml/2006/main" xmlns:r="http://schemas.openxmlformats.org/officeDocument/2006/relationships" xmlns:p="http://schemas.openxmlformats.org/presentationml/2006/main">
   <p:cSld>
     <p:spTree>
